--- a/SensibleHeat_Tutorial.pptx
+++ b/SensibleHeat_Tutorial.pptx
@@ -8,9 +8,10 @@
     <p:sldId id="257" r:id="rId2"/>
     <p:sldId id="259" r:id="rId3"/>
     <p:sldId id="256" r:id="rId4"/>
-    <p:sldId id="260" r:id="rId5"/>
-    <p:sldId id="261" r:id="rId6"/>
-    <p:sldId id="262" r:id="rId7"/>
+    <p:sldId id="263" r:id="rId5"/>
+    <p:sldId id="260" r:id="rId6"/>
+    <p:sldId id="261" r:id="rId7"/>
+    <p:sldId id="262" r:id="rId8"/>
   </p:sldIdLst>
   <p:sldSz cx="12192000" cy="6858000"/>
   <p:notesSz cx="6858000" cy="9144000"/>
@@ -4397,6 +4398,66 @@
           <a:chExt cx="0" cy="0"/>
         </a:xfrm>
       </p:grpSpPr>
+      <p:pic>
+        <p:nvPicPr>
+          <p:cNvPr id="5" name="Picture 4" descr="Diagram, schematic&#10;&#10;Description automatically generated">
+            <a:extLst>
+              <a:ext uri="{FF2B5EF4-FFF2-40B4-BE49-F238E27FC236}">
+                <a16:creationId xmlns:a16="http://schemas.microsoft.com/office/drawing/2014/main" id="{C667D5F7-0080-EC0B-8C59-366759D0993B}"/>
+              </a:ext>
+            </a:extLst>
+          </p:cNvPr>
+          <p:cNvPicPr>
+            <a:picLocks noChangeAspect="1"/>
+          </p:cNvPicPr>
+          <p:nvPr/>
+        </p:nvPicPr>
+        <p:blipFill>
+          <a:blip r:embed="rId2"/>
+          <a:stretch>
+            <a:fillRect/>
+          </a:stretch>
+        </p:blipFill>
+        <p:spPr>
+          <a:xfrm>
+            <a:off x="1536700" y="271832"/>
+            <a:ext cx="8636000" cy="6314336"/>
+          </a:xfrm>
+          <a:prstGeom prst="rect">
+            <a:avLst/>
+          </a:prstGeom>
+        </p:spPr>
+      </p:pic>
+    </p:spTree>
+    <p:extLst>
+      <p:ext uri="{BB962C8B-B14F-4D97-AF65-F5344CB8AC3E}">
+        <p14:creationId xmlns:p14="http://schemas.microsoft.com/office/powerpoint/2010/main" val="939922133"/>
+      </p:ext>
+    </p:extLst>
+  </p:cSld>
+  <p:clrMapOvr>
+    <a:masterClrMapping/>
+  </p:clrMapOvr>
+</p:sld>
+</file>
+
+<file path=ppt/slides/slide5.xml><?xml version="1.0" encoding="utf-8"?>
+<p:sld xmlns:a="http://schemas.openxmlformats.org/drawingml/2006/main" xmlns:r="http://schemas.openxmlformats.org/officeDocument/2006/relationships" xmlns:p="http://schemas.openxmlformats.org/presentationml/2006/main">
+  <p:cSld>
+    <p:spTree>
+      <p:nvGrpSpPr>
+        <p:cNvPr id="1" name=""/>
+        <p:cNvGrpSpPr/>
+        <p:nvPr/>
+      </p:nvGrpSpPr>
+      <p:grpSpPr>
+        <a:xfrm>
+          <a:off x="0" y="0"/>
+          <a:ext cx="0" cy="0"/>
+          <a:chOff x="0" y="0"/>
+          <a:chExt cx="0" cy="0"/>
+        </a:xfrm>
+      </p:grpSpPr>
       <mc:AlternateContent xmlns:mc="http://schemas.openxmlformats.org/markup-compatibility/2006">
         <mc:Choice xmlns:a14="http://schemas.microsoft.com/office/drawing/2010/main" Requires="a14">
           <p:sp>
@@ -5230,7 +5291,11 @@
           <a:prstGeom prst="line">
             <a:avLst/>
           </a:prstGeom>
-          <a:ln w="101600"/>
+          <a:ln w="101600">
+            <a:solidFill>
+              <a:schemeClr val="accent6"/>
+            </a:solidFill>
+          </a:ln>
         </p:spPr>
         <p:style>
           <a:lnRef idx="1">
@@ -5762,6 +5827,9 @@
           <a:prstGeom prst="uturnArrow">
             <a:avLst/>
           </a:prstGeom>
+          <a:solidFill>
+            <a:srgbClr val="FF0000"/>
+          </a:solidFill>
         </p:spPr>
         <p:style>
           <a:lnRef idx="2">
@@ -5818,6 +5886,9 @@
               <a:gd name="adj5" fmla="val 75000"/>
             </a:avLst>
           </a:prstGeom>
+          <a:solidFill>
+            <a:srgbClr val="FF0000"/>
+          </a:solidFill>
         </p:spPr>
         <p:style>
           <a:lnRef idx="2">
@@ -5874,6 +5945,9 @@
               <a:gd name="adj5" fmla="val 75000"/>
             </a:avLst>
           </a:prstGeom>
+          <a:solidFill>
+            <a:srgbClr val="FF0000"/>
+          </a:solidFill>
         </p:spPr>
         <p:style>
           <a:lnRef idx="2">
@@ -5904,6 +5978,1254 @@
           </a:p>
         </p:txBody>
       </p:sp>
+      <p:cxnSp>
+        <p:nvCxnSpPr>
+          <p:cNvPr id="30" name="Straight Arrow Connector 29">
+            <a:extLst>
+              <a:ext uri="{FF2B5EF4-FFF2-40B4-BE49-F238E27FC236}">
+                <a16:creationId xmlns:a16="http://schemas.microsoft.com/office/drawing/2014/main" id="{8CB7151E-1F69-BB33-3690-DCEC47541B50}"/>
+              </a:ext>
+            </a:extLst>
+          </p:cNvPr>
+          <p:cNvCxnSpPr>
+            <a:cxnSpLocks/>
+          </p:cNvCxnSpPr>
+          <p:nvPr/>
+        </p:nvCxnSpPr>
+        <p:spPr>
+          <a:xfrm flipV="1">
+            <a:off x="7200900" y="2351161"/>
+            <a:ext cx="0" cy="470302"/>
+          </a:xfrm>
+          <a:prstGeom prst="straightConnector1">
+            <a:avLst/>
+          </a:prstGeom>
+          <a:ln w="25400">
+            <a:solidFill>
+              <a:srgbClr val="FF0000"/>
+            </a:solidFill>
+            <a:tailEnd type="triangle"/>
+          </a:ln>
+        </p:spPr>
+        <p:style>
+          <a:lnRef idx="1">
+            <a:schemeClr val="accent1"/>
+          </a:lnRef>
+          <a:fillRef idx="0">
+            <a:schemeClr val="accent1"/>
+          </a:fillRef>
+          <a:effectRef idx="0">
+            <a:schemeClr val="accent1"/>
+          </a:effectRef>
+          <a:fontRef idx="minor">
+            <a:schemeClr val="tx1"/>
+          </a:fontRef>
+        </p:style>
+      </p:cxnSp>
+      <p:cxnSp>
+        <p:nvCxnSpPr>
+          <p:cNvPr id="33" name="Straight Arrow Connector 32">
+            <a:extLst>
+              <a:ext uri="{FF2B5EF4-FFF2-40B4-BE49-F238E27FC236}">
+                <a16:creationId xmlns:a16="http://schemas.microsoft.com/office/drawing/2014/main" id="{F41CE2DC-B872-B377-2648-577FABEBCA50}"/>
+              </a:ext>
+            </a:extLst>
+          </p:cNvPr>
+          <p:cNvCxnSpPr>
+            <a:cxnSpLocks/>
+          </p:cNvCxnSpPr>
+          <p:nvPr/>
+        </p:nvCxnSpPr>
+        <p:spPr>
+          <a:xfrm flipV="1">
+            <a:off x="7453312" y="2358898"/>
+            <a:ext cx="0" cy="470302"/>
+          </a:xfrm>
+          <a:prstGeom prst="straightConnector1">
+            <a:avLst/>
+          </a:prstGeom>
+          <a:ln w="25400">
+            <a:solidFill>
+              <a:srgbClr val="FF0000"/>
+            </a:solidFill>
+            <a:tailEnd type="triangle"/>
+          </a:ln>
+        </p:spPr>
+        <p:style>
+          <a:lnRef idx="1">
+            <a:schemeClr val="accent1"/>
+          </a:lnRef>
+          <a:fillRef idx="0">
+            <a:schemeClr val="accent1"/>
+          </a:fillRef>
+          <a:effectRef idx="0">
+            <a:schemeClr val="accent1"/>
+          </a:effectRef>
+          <a:fontRef idx="minor">
+            <a:schemeClr val="tx1"/>
+          </a:fontRef>
+        </p:style>
+      </p:cxnSp>
+      <p:cxnSp>
+        <p:nvCxnSpPr>
+          <p:cNvPr id="34" name="Straight Arrow Connector 33">
+            <a:extLst>
+              <a:ext uri="{FF2B5EF4-FFF2-40B4-BE49-F238E27FC236}">
+                <a16:creationId xmlns:a16="http://schemas.microsoft.com/office/drawing/2014/main" id="{26A75762-86BC-870B-4F1A-3858FAFF9803}"/>
+              </a:ext>
+            </a:extLst>
+          </p:cNvPr>
+          <p:cNvCxnSpPr>
+            <a:cxnSpLocks/>
+          </p:cNvCxnSpPr>
+          <p:nvPr/>
+        </p:nvCxnSpPr>
+        <p:spPr>
+          <a:xfrm flipV="1">
+            <a:off x="7691437" y="2358898"/>
+            <a:ext cx="0" cy="470302"/>
+          </a:xfrm>
+          <a:prstGeom prst="straightConnector1">
+            <a:avLst/>
+          </a:prstGeom>
+          <a:ln w="25400">
+            <a:solidFill>
+              <a:srgbClr val="FF0000"/>
+            </a:solidFill>
+            <a:tailEnd type="triangle"/>
+          </a:ln>
+        </p:spPr>
+        <p:style>
+          <a:lnRef idx="1">
+            <a:schemeClr val="accent1"/>
+          </a:lnRef>
+          <a:fillRef idx="0">
+            <a:schemeClr val="accent1"/>
+          </a:fillRef>
+          <a:effectRef idx="0">
+            <a:schemeClr val="accent1"/>
+          </a:effectRef>
+          <a:fontRef idx="minor">
+            <a:schemeClr val="tx1"/>
+          </a:fontRef>
+        </p:style>
+      </p:cxnSp>
+      <p:cxnSp>
+        <p:nvCxnSpPr>
+          <p:cNvPr id="35" name="Straight Arrow Connector 34">
+            <a:extLst>
+              <a:ext uri="{FF2B5EF4-FFF2-40B4-BE49-F238E27FC236}">
+                <a16:creationId xmlns:a16="http://schemas.microsoft.com/office/drawing/2014/main" id="{4FC077BC-0027-63A6-B3E7-3B8C5EBA6DD5}"/>
+              </a:ext>
+            </a:extLst>
+          </p:cNvPr>
+          <p:cNvCxnSpPr>
+            <a:cxnSpLocks/>
+          </p:cNvCxnSpPr>
+          <p:nvPr/>
+        </p:nvCxnSpPr>
+        <p:spPr>
+          <a:xfrm flipV="1">
+            <a:off x="7986712" y="2358898"/>
+            <a:ext cx="0" cy="470302"/>
+          </a:xfrm>
+          <a:prstGeom prst="straightConnector1">
+            <a:avLst/>
+          </a:prstGeom>
+          <a:ln w="25400">
+            <a:solidFill>
+              <a:srgbClr val="FF0000"/>
+            </a:solidFill>
+            <a:tailEnd type="triangle"/>
+          </a:ln>
+        </p:spPr>
+        <p:style>
+          <a:lnRef idx="1">
+            <a:schemeClr val="accent1"/>
+          </a:lnRef>
+          <a:fillRef idx="0">
+            <a:schemeClr val="accent1"/>
+          </a:fillRef>
+          <a:effectRef idx="0">
+            <a:schemeClr val="accent1"/>
+          </a:effectRef>
+          <a:fontRef idx="minor">
+            <a:schemeClr val="tx1"/>
+          </a:fontRef>
+        </p:style>
+      </p:cxnSp>
+      <p:cxnSp>
+        <p:nvCxnSpPr>
+          <p:cNvPr id="36" name="Straight Arrow Connector 35">
+            <a:extLst>
+              <a:ext uri="{FF2B5EF4-FFF2-40B4-BE49-F238E27FC236}">
+                <a16:creationId xmlns:a16="http://schemas.microsoft.com/office/drawing/2014/main" id="{42F9084E-8816-CEF1-957C-5F04EB27CE64}"/>
+              </a:ext>
+            </a:extLst>
+          </p:cNvPr>
+          <p:cNvCxnSpPr>
+            <a:cxnSpLocks/>
+          </p:cNvCxnSpPr>
+          <p:nvPr/>
+        </p:nvCxnSpPr>
+        <p:spPr>
+          <a:xfrm flipV="1">
+            <a:off x="8310562" y="2358898"/>
+            <a:ext cx="0" cy="470302"/>
+          </a:xfrm>
+          <a:prstGeom prst="straightConnector1">
+            <a:avLst/>
+          </a:prstGeom>
+          <a:ln w="25400">
+            <a:solidFill>
+              <a:srgbClr val="FF0000"/>
+            </a:solidFill>
+            <a:tailEnd type="triangle"/>
+          </a:ln>
+        </p:spPr>
+        <p:style>
+          <a:lnRef idx="1">
+            <a:schemeClr val="accent1"/>
+          </a:lnRef>
+          <a:fillRef idx="0">
+            <a:schemeClr val="accent1"/>
+          </a:fillRef>
+          <a:effectRef idx="0">
+            <a:schemeClr val="accent1"/>
+          </a:effectRef>
+          <a:fontRef idx="minor">
+            <a:schemeClr val="tx1"/>
+          </a:fontRef>
+        </p:style>
+      </p:cxnSp>
+      <p:cxnSp>
+        <p:nvCxnSpPr>
+          <p:cNvPr id="37" name="Straight Arrow Connector 36">
+            <a:extLst>
+              <a:ext uri="{FF2B5EF4-FFF2-40B4-BE49-F238E27FC236}">
+                <a16:creationId xmlns:a16="http://schemas.microsoft.com/office/drawing/2014/main" id="{395ACBA7-25F5-46BB-7F60-9CCC7E756796}"/>
+              </a:ext>
+            </a:extLst>
+          </p:cNvPr>
+          <p:cNvCxnSpPr>
+            <a:cxnSpLocks/>
+          </p:cNvCxnSpPr>
+          <p:nvPr/>
+        </p:nvCxnSpPr>
+        <p:spPr>
+          <a:xfrm flipV="1">
+            <a:off x="8562974" y="2350711"/>
+            <a:ext cx="0" cy="470302"/>
+          </a:xfrm>
+          <a:prstGeom prst="straightConnector1">
+            <a:avLst/>
+          </a:prstGeom>
+          <a:ln w="25400">
+            <a:solidFill>
+              <a:srgbClr val="FF0000"/>
+            </a:solidFill>
+            <a:tailEnd type="triangle"/>
+          </a:ln>
+        </p:spPr>
+        <p:style>
+          <a:lnRef idx="1">
+            <a:schemeClr val="accent1"/>
+          </a:lnRef>
+          <a:fillRef idx="0">
+            <a:schemeClr val="accent1"/>
+          </a:fillRef>
+          <a:effectRef idx="0">
+            <a:schemeClr val="accent1"/>
+          </a:effectRef>
+          <a:fontRef idx="minor">
+            <a:schemeClr val="tx1"/>
+          </a:fontRef>
+        </p:style>
+      </p:cxnSp>
+      <p:cxnSp>
+        <p:nvCxnSpPr>
+          <p:cNvPr id="38" name="Straight Arrow Connector 37">
+            <a:extLst>
+              <a:ext uri="{FF2B5EF4-FFF2-40B4-BE49-F238E27FC236}">
+                <a16:creationId xmlns:a16="http://schemas.microsoft.com/office/drawing/2014/main" id="{3C0BEC69-FFBC-49F7-D2F3-9B1FBDDCC8B4}"/>
+              </a:ext>
+            </a:extLst>
+          </p:cNvPr>
+          <p:cNvCxnSpPr>
+            <a:cxnSpLocks/>
+          </p:cNvCxnSpPr>
+          <p:nvPr/>
+        </p:nvCxnSpPr>
+        <p:spPr>
+          <a:xfrm flipV="1">
+            <a:off x="8791573" y="2350711"/>
+            <a:ext cx="0" cy="470302"/>
+          </a:xfrm>
+          <a:prstGeom prst="straightConnector1">
+            <a:avLst/>
+          </a:prstGeom>
+          <a:ln w="25400">
+            <a:solidFill>
+              <a:srgbClr val="FF0000"/>
+            </a:solidFill>
+            <a:tailEnd type="triangle"/>
+          </a:ln>
+        </p:spPr>
+        <p:style>
+          <a:lnRef idx="1">
+            <a:schemeClr val="accent1"/>
+          </a:lnRef>
+          <a:fillRef idx="0">
+            <a:schemeClr val="accent1"/>
+          </a:fillRef>
+          <a:effectRef idx="0">
+            <a:schemeClr val="accent1"/>
+          </a:effectRef>
+          <a:fontRef idx="minor">
+            <a:schemeClr val="tx1"/>
+          </a:fontRef>
+        </p:style>
+      </p:cxnSp>
+      <p:cxnSp>
+        <p:nvCxnSpPr>
+          <p:cNvPr id="39" name="Straight Arrow Connector 38">
+            <a:extLst>
+              <a:ext uri="{FF2B5EF4-FFF2-40B4-BE49-F238E27FC236}">
+                <a16:creationId xmlns:a16="http://schemas.microsoft.com/office/drawing/2014/main" id="{DE0B0CED-7769-747B-98BC-3D6B96A62FFE}"/>
+              </a:ext>
+            </a:extLst>
+          </p:cNvPr>
+          <p:cNvCxnSpPr>
+            <a:cxnSpLocks/>
+          </p:cNvCxnSpPr>
+          <p:nvPr/>
+        </p:nvCxnSpPr>
+        <p:spPr>
+          <a:xfrm flipV="1">
+            <a:off x="9086848" y="2382781"/>
+            <a:ext cx="0" cy="470302"/>
+          </a:xfrm>
+          <a:prstGeom prst="straightConnector1">
+            <a:avLst/>
+          </a:prstGeom>
+          <a:ln w="25400">
+            <a:solidFill>
+              <a:srgbClr val="FF0000"/>
+            </a:solidFill>
+            <a:tailEnd type="triangle"/>
+          </a:ln>
+        </p:spPr>
+        <p:style>
+          <a:lnRef idx="1">
+            <a:schemeClr val="accent1"/>
+          </a:lnRef>
+          <a:fillRef idx="0">
+            <a:schemeClr val="accent1"/>
+          </a:fillRef>
+          <a:effectRef idx="0">
+            <a:schemeClr val="accent1"/>
+          </a:effectRef>
+          <a:fontRef idx="minor">
+            <a:schemeClr val="tx1"/>
+          </a:fontRef>
+        </p:style>
+      </p:cxnSp>
+      <p:cxnSp>
+        <p:nvCxnSpPr>
+          <p:cNvPr id="40" name="Straight Arrow Connector 39">
+            <a:extLst>
+              <a:ext uri="{FF2B5EF4-FFF2-40B4-BE49-F238E27FC236}">
+                <a16:creationId xmlns:a16="http://schemas.microsoft.com/office/drawing/2014/main" id="{C6370728-279A-D50E-1C67-8855B1267DBF}"/>
+              </a:ext>
+            </a:extLst>
+          </p:cNvPr>
+          <p:cNvCxnSpPr>
+            <a:cxnSpLocks/>
+          </p:cNvCxnSpPr>
+          <p:nvPr/>
+        </p:nvCxnSpPr>
+        <p:spPr>
+          <a:xfrm flipV="1">
+            <a:off x="9353548" y="2382781"/>
+            <a:ext cx="0" cy="470302"/>
+          </a:xfrm>
+          <a:prstGeom prst="straightConnector1">
+            <a:avLst/>
+          </a:prstGeom>
+          <a:ln w="25400">
+            <a:solidFill>
+              <a:srgbClr val="FF0000"/>
+            </a:solidFill>
+            <a:tailEnd type="triangle"/>
+          </a:ln>
+        </p:spPr>
+        <p:style>
+          <a:lnRef idx="1">
+            <a:schemeClr val="accent1"/>
+          </a:lnRef>
+          <a:fillRef idx="0">
+            <a:schemeClr val="accent1"/>
+          </a:fillRef>
+          <a:effectRef idx="0">
+            <a:schemeClr val="accent1"/>
+          </a:effectRef>
+          <a:fontRef idx="minor">
+            <a:schemeClr val="tx1"/>
+          </a:fontRef>
+        </p:style>
+      </p:cxnSp>
+      <p:cxnSp>
+        <p:nvCxnSpPr>
+          <p:cNvPr id="41" name="Straight Arrow Connector 40">
+            <a:extLst>
+              <a:ext uri="{FF2B5EF4-FFF2-40B4-BE49-F238E27FC236}">
+                <a16:creationId xmlns:a16="http://schemas.microsoft.com/office/drawing/2014/main" id="{45FDA4AB-1138-74C2-CE91-0CF00812A119}"/>
+              </a:ext>
+            </a:extLst>
+          </p:cNvPr>
+          <p:cNvCxnSpPr>
+            <a:cxnSpLocks/>
+          </p:cNvCxnSpPr>
+          <p:nvPr/>
+        </p:nvCxnSpPr>
+        <p:spPr>
+          <a:xfrm flipV="1">
+            <a:off x="9658348" y="2350711"/>
+            <a:ext cx="0" cy="470302"/>
+          </a:xfrm>
+          <a:prstGeom prst="straightConnector1">
+            <a:avLst/>
+          </a:prstGeom>
+          <a:ln w="25400">
+            <a:solidFill>
+              <a:srgbClr val="FF0000"/>
+            </a:solidFill>
+            <a:tailEnd type="triangle"/>
+          </a:ln>
+        </p:spPr>
+        <p:style>
+          <a:lnRef idx="1">
+            <a:schemeClr val="accent1"/>
+          </a:lnRef>
+          <a:fillRef idx="0">
+            <a:schemeClr val="accent1"/>
+          </a:fillRef>
+          <a:effectRef idx="0">
+            <a:schemeClr val="accent1"/>
+          </a:effectRef>
+          <a:fontRef idx="minor">
+            <a:schemeClr val="tx1"/>
+          </a:fontRef>
+        </p:style>
+      </p:cxnSp>
+      <p:cxnSp>
+        <p:nvCxnSpPr>
+          <p:cNvPr id="42" name="Straight Arrow Connector 41">
+            <a:extLst>
+              <a:ext uri="{FF2B5EF4-FFF2-40B4-BE49-F238E27FC236}">
+                <a16:creationId xmlns:a16="http://schemas.microsoft.com/office/drawing/2014/main" id="{2717871A-0315-9A9F-2ED0-2B5AB3D0827F}"/>
+              </a:ext>
+            </a:extLst>
+          </p:cNvPr>
+          <p:cNvCxnSpPr>
+            <a:cxnSpLocks/>
+          </p:cNvCxnSpPr>
+          <p:nvPr/>
+        </p:nvCxnSpPr>
+        <p:spPr>
+          <a:xfrm flipV="1">
+            <a:off x="9953623" y="2382781"/>
+            <a:ext cx="0" cy="470302"/>
+          </a:xfrm>
+          <a:prstGeom prst="straightConnector1">
+            <a:avLst/>
+          </a:prstGeom>
+          <a:ln w="25400">
+            <a:solidFill>
+              <a:srgbClr val="FF0000"/>
+            </a:solidFill>
+            <a:tailEnd type="triangle"/>
+          </a:ln>
+        </p:spPr>
+        <p:style>
+          <a:lnRef idx="1">
+            <a:schemeClr val="accent1"/>
+          </a:lnRef>
+          <a:fillRef idx="0">
+            <a:schemeClr val="accent1"/>
+          </a:fillRef>
+          <a:effectRef idx="0">
+            <a:schemeClr val="accent1"/>
+          </a:effectRef>
+          <a:fontRef idx="minor">
+            <a:schemeClr val="tx1"/>
+          </a:fontRef>
+        </p:style>
+      </p:cxnSp>
+      <p:cxnSp>
+        <p:nvCxnSpPr>
+          <p:cNvPr id="43" name="Straight Arrow Connector 42">
+            <a:extLst>
+              <a:ext uri="{FF2B5EF4-FFF2-40B4-BE49-F238E27FC236}">
+                <a16:creationId xmlns:a16="http://schemas.microsoft.com/office/drawing/2014/main" id="{748D7CB9-A08E-3A38-11B0-E67295831808}"/>
+              </a:ext>
+            </a:extLst>
+          </p:cNvPr>
+          <p:cNvCxnSpPr>
+            <a:cxnSpLocks/>
+          </p:cNvCxnSpPr>
+          <p:nvPr/>
+        </p:nvCxnSpPr>
+        <p:spPr>
+          <a:xfrm flipV="1">
+            <a:off x="10220323" y="2382781"/>
+            <a:ext cx="0" cy="470302"/>
+          </a:xfrm>
+          <a:prstGeom prst="straightConnector1">
+            <a:avLst/>
+          </a:prstGeom>
+          <a:ln w="25400">
+            <a:solidFill>
+              <a:srgbClr val="FF0000"/>
+            </a:solidFill>
+            <a:tailEnd type="triangle"/>
+          </a:ln>
+        </p:spPr>
+        <p:style>
+          <a:lnRef idx="1">
+            <a:schemeClr val="accent1"/>
+          </a:lnRef>
+          <a:fillRef idx="0">
+            <a:schemeClr val="accent1"/>
+          </a:fillRef>
+          <a:effectRef idx="0">
+            <a:schemeClr val="accent1"/>
+          </a:effectRef>
+          <a:fontRef idx="minor">
+            <a:schemeClr val="tx1"/>
+          </a:fontRef>
+        </p:style>
+      </p:cxnSp>
+      <p:grpSp>
+        <p:nvGrpSpPr>
+          <p:cNvPr id="56" name="Group 55">
+            <a:extLst>
+              <a:ext uri="{FF2B5EF4-FFF2-40B4-BE49-F238E27FC236}">
+                <a16:creationId xmlns:a16="http://schemas.microsoft.com/office/drawing/2014/main" id="{03DE95E7-D5A4-C9B0-BC71-AFBDE56E45DA}"/>
+              </a:ext>
+            </a:extLst>
+          </p:cNvPr>
+          <p:cNvGrpSpPr/>
+          <p:nvPr/>
+        </p:nvGrpSpPr>
+        <p:grpSpPr>
+          <a:xfrm rot="10800000">
+            <a:off x="7200900" y="3293686"/>
+            <a:ext cx="3019423" cy="502372"/>
+            <a:chOff x="7353300" y="4060455"/>
+            <a:chExt cx="3019423" cy="502372"/>
+          </a:xfrm>
+        </p:grpSpPr>
+        <p:cxnSp>
+          <p:nvCxnSpPr>
+            <p:cNvPr id="44" name="Straight Arrow Connector 43">
+              <a:extLst>
+                <a:ext uri="{FF2B5EF4-FFF2-40B4-BE49-F238E27FC236}">
+                  <a16:creationId xmlns:a16="http://schemas.microsoft.com/office/drawing/2014/main" id="{AE196A58-7672-B7BA-A3FF-218E615EEA24}"/>
+                </a:ext>
+              </a:extLst>
+            </p:cNvPr>
+            <p:cNvCxnSpPr>
+              <a:cxnSpLocks/>
+            </p:cNvCxnSpPr>
+            <p:nvPr/>
+          </p:nvCxnSpPr>
+          <p:spPr>
+            <a:xfrm flipV="1">
+              <a:off x="7353300" y="4060905"/>
+              <a:ext cx="0" cy="470302"/>
+            </a:xfrm>
+            <a:prstGeom prst="straightConnector1">
+              <a:avLst/>
+            </a:prstGeom>
+            <a:ln w="25400">
+              <a:solidFill>
+                <a:srgbClr val="FF0000"/>
+              </a:solidFill>
+              <a:tailEnd type="triangle"/>
+            </a:ln>
+          </p:spPr>
+          <p:style>
+            <a:lnRef idx="1">
+              <a:schemeClr val="accent1"/>
+            </a:lnRef>
+            <a:fillRef idx="0">
+              <a:schemeClr val="accent1"/>
+            </a:fillRef>
+            <a:effectRef idx="0">
+              <a:schemeClr val="accent1"/>
+            </a:effectRef>
+            <a:fontRef idx="minor">
+              <a:schemeClr val="tx1"/>
+            </a:fontRef>
+          </p:style>
+        </p:cxnSp>
+        <p:cxnSp>
+          <p:nvCxnSpPr>
+            <p:cNvPr id="45" name="Straight Arrow Connector 44">
+              <a:extLst>
+                <a:ext uri="{FF2B5EF4-FFF2-40B4-BE49-F238E27FC236}">
+                  <a16:creationId xmlns:a16="http://schemas.microsoft.com/office/drawing/2014/main" id="{C033048B-0751-D619-D80D-FC01E3952718}"/>
+                </a:ext>
+              </a:extLst>
+            </p:cNvPr>
+            <p:cNvCxnSpPr>
+              <a:cxnSpLocks/>
+            </p:cNvCxnSpPr>
+            <p:nvPr/>
+          </p:nvCxnSpPr>
+          <p:spPr>
+            <a:xfrm flipV="1">
+              <a:off x="7605712" y="4068642"/>
+              <a:ext cx="0" cy="470302"/>
+            </a:xfrm>
+            <a:prstGeom prst="straightConnector1">
+              <a:avLst/>
+            </a:prstGeom>
+            <a:ln w="25400">
+              <a:solidFill>
+                <a:srgbClr val="FF0000"/>
+              </a:solidFill>
+              <a:tailEnd type="triangle"/>
+            </a:ln>
+          </p:spPr>
+          <p:style>
+            <a:lnRef idx="1">
+              <a:schemeClr val="accent1"/>
+            </a:lnRef>
+            <a:fillRef idx="0">
+              <a:schemeClr val="accent1"/>
+            </a:fillRef>
+            <a:effectRef idx="0">
+              <a:schemeClr val="accent1"/>
+            </a:effectRef>
+            <a:fontRef idx="minor">
+              <a:schemeClr val="tx1"/>
+            </a:fontRef>
+          </p:style>
+        </p:cxnSp>
+        <p:cxnSp>
+          <p:nvCxnSpPr>
+            <p:cNvPr id="46" name="Straight Arrow Connector 45">
+              <a:extLst>
+                <a:ext uri="{FF2B5EF4-FFF2-40B4-BE49-F238E27FC236}">
+                  <a16:creationId xmlns:a16="http://schemas.microsoft.com/office/drawing/2014/main" id="{43A780BF-7865-CA76-5D8A-66D59AA7F01F}"/>
+                </a:ext>
+              </a:extLst>
+            </p:cNvPr>
+            <p:cNvCxnSpPr>
+              <a:cxnSpLocks/>
+            </p:cNvCxnSpPr>
+            <p:nvPr/>
+          </p:nvCxnSpPr>
+          <p:spPr>
+            <a:xfrm flipV="1">
+              <a:off x="7843837" y="4068642"/>
+              <a:ext cx="0" cy="470302"/>
+            </a:xfrm>
+            <a:prstGeom prst="straightConnector1">
+              <a:avLst/>
+            </a:prstGeom>
+            <a:ln w="25400">
+              <a:solidFill>
+                <a:srgbClr val="FF0000"/>
+              </a:solidFill>
+              <a:tailEnd type="triangle"/>
+            </a:ln>
+          </p:spPr>
+          <p:style>
+            <a:lnRef idx="1">
+              <a:schemeClr val="accent1"/>
+            </a:lnRef>
+            <a:fillRef idx="0">
+              <a:schemeClr val="accent1"/>
+            </a:fillRef>
+            <a:effectRef idx="0">
+              <a:schemeClr val="accent1"/>
+            </a:effectRef>
+            <a:fontRef idx="minor">
+              <a:schemeClr val="tx1"/>
+            </a:fontRef>
+          </p:style>
+        </p:cxnSp>
+        <p:cxnSp>
+          <p:nvCxnSpPr>
+            <p:cNvPr id="47" name="Straight Arrow Connector 46">
+              <a:extLst>
+                <a:ext uri="{FF2B5EF4-FFF2-40B4-BE49-F238E27FC236}">
+                  <a16:creationId xmlns:a16="http://schemas.microsoft.com/office/drawing/2014/main" id="{FE85661A-D5F5-69E4-7CC9-66BF70033CCE}"/>
+                </a:ext>
+              </a:extLst>
+            </p:cNvPr>
+            <p:cNvCxnSpPr>
+              <a:cxnSpLocks/>
+            </p:cNvCxnSpPr>
+            <p:nvPr/>
+          </p:nvCxnSpPr>
+          <p:spPr>
+            <a:xfrm flipV="1">
+              <a:off x="8139112" y="4068642"/>
+              <a:ext cx="0" cy="470302"/>
+            </a:xfrm>
+            <a:prstGeom prst="straightConnector1">
+              <a:avLst/>
+            </a:prstGeom>
+            <a:ln w="25400">
+              <a:solidFill>
+                <a:srgbClr val="FF0000"/>
+              </a:solidFill>
+              <a:tailEnd type="triangle"/>
+            </a:ln>
+          </p:spPr>
+          <p:style>
+            <a:lnRef idx="1">
+              <a:schemeClr val="accent1"/>
+            </a:lnRef>
+            <a:fillRef idx="0">
+              <a:schemeClr val="accent1"/>
+            </a:fillRef>
+            <a:effectRef idx="0">
+              <a:schemeClr val="accent1"/>
+            </a:effectRef>
+            <a:fontRef idx="minor">
+              <a:schemeClr val="tx1"/>
+            </a:fontRef>
+          </p:style>
+        </p:cxnSp>
+        <p:cxnSp>
+          <p:nvCxnSpPr>
+            <p:cNvPr id="48" name="Straight Arrow Connector 47">
+              <a:extLst>
+                <a:ext uri="{FF2B5EF4-FFF2-40B4-BE49-F238E27FC236}">
+                  <a16:creationId xmlns:a16="http://schemas.microsoft.com/office/drawing/2014/main" id="{ABACEBCA-0DFA-C3F7-8EA8-0D5DB42A8F53}"/>
+                </a:ext>
+              </a:extLst>
+            </p:cNvPr>
+            <p:cNvCxnSpPr>
+              <a:cxnSpLocks/>
+            </p:cNvCxnSpPr>
+            <p:nvPr/>
+          </p:nvCxnSpPr>
+          <p:spPr>
+            <a:xfrm flipV="1">
+              <a:off x="8462962" y="4068642"/>
+              <a:ext cx="0" cy="470302"/>
+            </a:xfrm>
+            <a:prstGeom prst="straightConnector1">
+              <a:avLst/>
+            </a:prstGeom>
+            <a:ln w="25400">
+              <a:solidFill>
+                <a:srgbClr val="FF0000"/>
+              </a:solidFill>
+              <a:tailEnd type="triangle"/>
+            </a:ln>
+          </p:spPr>
+          <p:style>
+            <a:lnRef idx="1">
+              <a:schemeClr val="accent1"/>
+            </a:lnRef>
+            <a:fillRef idx="0">
+              <a:schemeClr val="accent1"/>
+            </a:fillRef>
+            <a:effectRef idx="0">
+              <a:schemeClr val="accent1"/>
+            </a:effectRef>
+            <a:fontRef idx="minor">
+              <a:schemeClr val="tx1"/>
+            </a:fontRef>
+          </p:style>
+        </p:cxnSp>
+        <p:cxnSp>
+          <p:nvCxnSpPr>
+            <p:cNvPr id="49" name="Straight Arrow Connector 48">
+              <a:extLst>
+                <a:ext uri="{FF2B5EF4-FFF2-40B4-BE49-F238E27FC236}">
+                  <a16:creationId xmlns:a16="http://schemas.microsoft.com/office/drawing/2014/main" id="{836301FC-7DF6-4789-7FF8-006E443A3F0C}"/>
+                </a:ext>
+              </a:extLst>
+            </p:cNvPr>
+            <p:cNvCxnSpPr>
+              <a:cxnSpLocks/>
+            </p:cNvCxnSpPr>
+            <p:nvPr/>
+          </p:nvCxnSpPr>
+          <p:spPr>
+            <a:xfrm flipV="1">
+              <a:off x="8715374" y="4060455"/>
+              <a:ext cx="0" cy="470302"/>
+            </a:xfrm>
+            <a:prstGeom prst="straightConnector1">
+              <a:avLst/>
+            </a:prstGeom>
+            <a:ln w="25400">
+              <a:solidFill>
+                <a:srgbClr val="FF0000"/>
+              </a:solidFill>
+              <a:tailEnd type="triangle"/>
+            </a:ln>
+          </p:spPr>
+          <p:style>
+            <a:lnRef idx="1">
+              <a:schemeClr val="accent1"/>
+            </a:lnRef>
+            <a:fillRef idx="0">
+              <a:schemeClr val="accent1"/>
+            </a:fillRef>
+            <a:effectRef idx="0">
+              <a:schemeClr val="accent1"/>
+            </a:effectRef>
+            <a:fontRef idx="minor">
+              <a:schemeClr val="tx1"/>
+            </a:fontRef>
+          </p:style>
+        </p:cxnSp>
+        <p:cxnSp>
+          <p:nvCxnSpPr>
+            <p:cNvPr id="50" name="Straight Arrow Connector 49">
+              <a:extLst>
+                <a:ext uri="{FF2B5EF4-FFF2-40B4-BE49-F238E27FC236}">
+                  <a16:creationId xmlns:a16="http://schemas.microsoft.com/office/drawing/2014/main" id="{4ED7DF6D-EB9C-9E5B-55A1-0FB46F492197}"/>
+                </a:ext>
+              </a:extLst>
+            </p:cNvPr>
+            <p:cNvCxnSpPr>
+              <a:cxnSpLocks/>
+            </p:cNvCxnSpPr>
+            <p:nvPr/>
+          </p:nvCxnSpPr>
+          <p:spPr>
+            <a:xfrm flipV="1">
+              <a:off x="8943973" y="4060455"/>
+              <a:ext cx="0" cy="470302"/>
+            </a:xfrm>
+            <a:prstGeom prst="straightConnector1">
+              <a:avLst/>
+            </a:prstGeom>
+            <a:ln w="25400">
+              <a:solidFill>
+                <a:srgbClr val="FF0000"/>
+              </a:solidFill>
+              <a:tailEnd type="triangle"/>
+            </a:ln>
+          </p:spPr>
+          <p:style>
+            <a:lnRef idx="1">
+              <a:schemeClr val="accent1"/>
+            </a:lnRef>
+            <a:fillRef idx="0">
+              <a:schemeClr val="accent1"/>
+            </a:fillRef>
+            <a:effectRef idx="0">
+              <a:schemeClr val="accent1"/>
+            </a:effectRef>
+            <a:fontRef idx="minor">
+              <a:schemeClr val="tx1"/>
+            </a:fontRef>
+          </p:style>
+        </p:cxnSp>
+        <p:cxnSp>
+          <p:nvCxnSpPr>
+            <p:cNvPr id="51" name="Straight Arrow Connector 50">
+              <a:extLst>
+                <a:ext uri="{FF2B5EF4-FFF2-40B4-BE49-F238E27FC236}">
+                  <a16:creationId xmlns:a16="http://schemas.microsoft.com/office/drawing/2014/main" id="{EBAD2E13-4705-2DFF-9FA5-90CCF1FC9F61}"/>
+                </a:ext>
+              </a:extLst>
+            </p:cNvPr>
+            <p:cNvCxnSpPr>
+              <a:cxnSpLocks/>
+            </p:cNvCxnSpPr>
+            <p:nvPr/>
+          </p:nvCxnSpPr>
+          <p:spPr>
+            <a:xfrm flipV="1">
+              <a:off x="9239248" y="4092525"/>
+              <a:ext cx="0" cy="470302"/>
+            </a:xfrm>
+            <a:prstGeom prst="straightConnector1">
+              <a:avLst/>
+            </a:prstGeom>
+            <a:ln w="25400">
+              <a:solidFill>
+                <a:srgbClr val="FF0000"/>
+              </a:solidFill>
+              <a:tailEnd type="triangle"/>
+            </a:ln>
+          </p:spPr>
+          <p:style>
+            <a:lnRef idx="1">
+              <a:schemeClr val="accent1"/>
+            </a:lnRef>
+            <a:fillRef idx="0">
+              <a:schemeClr val="accent1"/>
+            </a:fillRef>
+            <a:effectRef idx="0">
+              <a:schemeClr val="accent1"/>
+            </a:effectRef>
+            <a:fontRef idx="minor">
+              <a:schemeClr val="tx1"/>
+            </a:fontRef>
+          </p:style>
+        </p:cxnSp>
+        <p:cxnSp>
+          <p:nvCxnSpPr>
+            <p:cNvPr id="52" name="Straight Arrow Connector 51">
+              <a:extLst>
+                <a:ext uri="{FF2B5EF4-FFF2-40B4-BE49-F238E27FC236}">
+                  <a16:creationId xmlns:a16="http://schemas.microsoft.com/office/drawing/2014/main" id="{F92FB6D4-B120-07B3-8207-C5FC93A90B94}"/>
+                </a:ext>
+              </a:extLst>
+            </p:cNvPr>
+            <p:cNvCxnSpPr>
+              <a:cxnSpLocks/>
+            </p:cNvCxnSpPr>
+            <p:nvPr/>
+          </p:nvCxnSpPr>
+          <p:spPr>
+            <a:xfrm flipV="1">
+              <a:off x="9505948" y="4092525"/>
+              <a:ext cx="0" cy="470302"/>
+            </a:xfrm>
+            <a:prstGeom prst="straightConnector1">
+              <a:avLst/>
+            </a:prstGeom>
+            <a:ln w="25400">
+              <a:solidFill>
+                <a:srgbClr val="FF0000"/>
+              </a:solidFill>
+              <a:tailEnd type="triangle"/>
+            </a:ln>
+          </p:spPr>
+          <p:style>
+            <a:lnRef idx="1">
+              <a:schemeClr val="accent1"/>
+            </a:lnRef>
+            <a:fillRef idx="0">
+              <a:schemeClr val="accent1"/>
+            </a:fillRef>
+            <a:effectRef idx="0">
+              <a:schemeClr val="accent1"/>
+            </a:effectRef>
+            <a:fontRef idx="minor">
+              <a:schemeClr val="tx1"/>
+            </a:fontRef>
+          </p:style>
+        </p:cxnSp>
+        <p:cxnSp>
+          <p:nvCxnSpPr>
+            <p:cNvPr id="53" name="Straight Arrow Connector 52">
+              <a:extLst>
+                <a:ext uri="{FF2B5EF4-FFF2-40B4-BE49-F238E27FC236}">
+                  <a16:creationId xmlns:a16="http://schemas.microsoft.com/office/drawing/2014/main" id="{A6728900-95F3-49F1-3694-B3A99E957BA5}"/>
+                </a:ext>
+              </a:extLst>
+            </p:cNvPr>
+            <p:cNvCxnSpPr>
+              <a:cxnSpLocks/>
+            </p:cNvCxnSpPr>
+            <p:nvPr/>
+          </p:nvCxnSpPr>
+          <p:spPr>
+            <a:xfrm flipV="1">
+              <a:off x="9810748" y="4060455"/>
+              <a:ext cx="0" cy="470302"/>
+            </a:xfrm>
+            <a:prstGeom prst="straightConnector1">
+              <a:avLst/>
+            </a:prstGeom>
+            <a:ln w="25400">
+              <a:solidFill>
+                <a:srgbClr val="FF0000"/>
+              </a:solidFill>
+              <a:tailEnd type="triangle"/>
+            </a:ln>
+          </p:spPr>
+          <p:style>
+            <a:lnRef idx="1">
+              <a:schemeClr val="accent1"/>
+            </a:lnRef>
+            <a:fillRef idx="0">
+              <a:schemeClr val="accent1"/>
+            </a:fillRef>
+            <a:effectRef idx="0">
+              <a:schemeClr val="accent1"/>
+            </a:effectRef>
+            <a:fontRef idx="minor">
+              <a:schemeClr val="tx1"/>
+            </a:fontRef>
+          </p:style>
+        </p:cxnSp>
+        <p:cxnSp>
+          <p:nvCxnSpPr>
+            <p:cNvPr id="54" name="Straight Arrow Connector 53">
+              <a:extLst>
+                <a:ext uri="{FF2B5EF4-FFF2-40B4-BE49-F238E27FC236}">
+                  <a16:creationId xmlns:a16="http://schemas.microsoft.com/office/drawing/2014/main" id="{854B34F8-7498-F437-8D0B-46508D1360E8}"/>
+                </a:ext>
+              </a:extLst>
+            </p:cNvPr>
+            <p:cNvCxnSpPr>
+              <a:cxnSpLocks/>
+            </p:cNvCxnSpPr>
+            <p:nvPr/>
+          </p:nvCxnSpPr>
+          <p:spPr>
+            <a:xfrm flipV="1">
+              <a:off x="10106023" y="4092525"/>
+              <a:ext cx="0" cy="470302"/>
+            </a:xfrm>
+            <a:prstGeom prst="straightConnector1">
+              <a:avLst/>
+            </a:prstGeom>
+            <a:ln w="25400">
+              <a:solidFill>
+                <a:srgbClr val="FF0000"/>
+              </a:solidFill>
+              <a:tailEnd type="triangle"/>
+            </a:ln>
+          </p:spPr>
+          <p:style>
+            <a:lnRef idx="1">
+              <a:schemeClr val="accent1"/>
+            </a:lnRef>
+            <a:fillRef idx="0">
+              <a:schemeClr val="accent1"/>
+            </a:fillRef>
+            <a:effectRef idx="0">
+              <a:schemeClr val="accent1"/>
+            </a:effectRef>
+            <a:fontRef idx="minor">
+              <a:schemeClr val="tx1"/>
+            </a:fontRef>
+          </p:style>
+        </p:cxnSp>
+        <p:cxnSp>
+          <p:nvCxnSpPr>
+            <p:cNvPr id="55" name="Straight Arrow Connector 54">
+              <a:extLst>
+                <a:ext uri="{FF2B5EF4-FFF2-40B4-BE49-F238E27FC236}">
+                  <a16:creationId xmlns:a16="http://schemas.microsoft.com/office/drawing/2014/main" id="{D3D4BF38-51C1-C7B1-1608-69B19DEB92B7}"/>
+                </a:ext>
+              </a:extLst>
+            </p:cNvPr>
+            <p:cNvCxnSpPr>
+              <a:cxnSpLocks/>
+            </p:cNvCxnSpPr>
+            <p:nvPr/>
+          </p:nvCxnSpPr>
+          <p:spPr>
+            <a:xfrm flipV="1">
+              <a:off x="10372723" y="4092525"/>
+              <a:ext cx="0" cy="470302"/>
+            </a:xfrm>
+            <a:prstGeom prst="straightConnector1">
+              <a:avLst/>
+            </a:prstGeom>
+            <a:ln w="25400">
+              <a:solidFill>
+                <a:srgbClr val="FF0000"/>
+              </a:solidFill>
+              <a:tailEnd type="triangle"/>
+            </a:ln>
+          </p:spPr>
+          <p:style>
+            <a:lnRef idx="1">
+              <a:schemeClr val="accent1"/>
+            </a:lnRef>
+            <a:fillRef idx="0">
+              <a:schemeClr val="accent1"/>
+            </a:fillRef>
+            <a:effectRef idx="0">
+              <a:schemeClr val="accent1"/>
+            </a:effectRef>
+            <a:fontRef idx="minor">
+              <a:schemeClr val="tx1"/>
+            </a:fontRef>
+          </p:style>
+        </p:cxnSp>
+      </p:grpSp>
+      <p:sp>
+        <p:nvSpPr>
+          <p:cNvPr id="57" name="U-turn Arrow 56">
+            <a:extLst>
+              <a:ext uri="{FF2B5EF4-FFF2-40B4-BE49-F238E27FC236}">
+                <a16:creationId xmlns:a16="http://schemas.microsoft.com/office/drawing/2014/main" id="{4FF60539-538A-E050-818A-1BD5C6CB49C0}"/>
+              </a:ext>
+            </a:extLst>
+          </p:cNvPr>
+          <p:cNvSpPr/>
+          <p:nvPr/>
+        </p:nvSpPr>
+        <p:spPr>
+          <a:xfrm>
+            <a:off x="7410453" y="4067184"/>
+            <a:ext cx="771525" cy="600075"/>
+          </a:xfrm>
+          <a:prstGeom prst="uturnArrow">
+            <a:avLst/>
+          </a:prstGeom>
+          <a:solidFill>
+            <a:srgbClr val="FF0000"/>
+          </a:solidFill>
+        </p:spPr>
+        <p:style>
+          <a:lnRef idx="2">
+            <a:schemeClr val="accent1">
+              <a:shade val="50000"/>
+            </a:schemeClr>
+          </a:lnRef>
+          <a:fillRef idx="1">
+            <a:schemeClr val="accent1"/>
+          </a:fillRef>
+          <a:effectRef idx="0">
+            <a:schemeClr val="accent1"/>
+          </a:effectRef>
+          <a:fontRef idx="minor">
+            <a:schemeClr val="lt1"/>
+          </a:fontRef>
+        </p:style>
+        <p:txBody>
+          <a:bodyPr rtlCol="0" anchor="ctr"/>
+          <a:lstStyle/>
+          <a:p>
+            <a:pPr algn="ctr"/>
+            <a:endParaRPr lang="en-US">
+              <a:solidFill>
+                <a:schemeClr val="tx1"/>
+              </a:solidFill>
+            </a:endParaRPr>
+          </a:p>
+        </p:txBody>
+      </p:sp>
+      <p:sp>
+        <p:nvSpPr>
+          <p:cNvPr id="58" name="U-turn Arrow 57">
+            <a:extLst>
+              <a:ext uri="{FF2B5EF4-FFF2-40B4-BE49-F238E27FC236}">
+                <a16:creationId xmlns:a16="http://schemas.microsoft.com/office/drawing/2014/main" id="{48F63519-5C29-0CD6-40E9-74EC0AC5D682}"/>
+              </a:ext>
+            </a:extLst>
+          </p:cNvPr>
+          <p:cNvSpPr/>
+          <p:nvPr/>
+        </p:nvSpPr>
+        <p:spPr>
+          <a:xfrm rot="9312362">
+            <a:off x="8239351" y="4201299"/>
+            <a:ext cx="771525" cy="600075"/>
+          </a:xfrm>
+          <a:prstGeom prst="uturnArrow">
+            <a:avLst>
+              <a:gd name="adj1" fmla="val 25000"/>
+              <a:gd name="adj2" fmla="val 25000"/>
+              <a:gd name="adj3" fmla="val 25000"/>
+              <a:gd name="adj4" fmla="val 50000"/>
+              <a:gd name="adj5" fmla="val 75000"/>
+            </a:avLst>
+          </a:prstGeom>
+          <a:solidFill>
+            <a:srgbClr val="FF0000"/>
+          </a:solidFill>
+        </p:spPr>
+        <p:style>
+          <a:lnRef idx="2">
+            <a:schemeClr val="accent1">
+              <a:shade val="50000"/>
+            </a:schemeClr>
+          </a:lnRef>
+          <a:fillRef idx="1">
+            <a:schemeClr val="accent1"/>
+          </a:fillRef>
+          <a:effectRef idx="0">
+            <a:schemeClr val="accent1"/>
+          </a:effectRef>
+          <a:fontRef idx="minor">
+            <a:schemeClr val="lt1"/>
+          </a:fontRef>
+        </p:style>
+        <p:txBody>
+          <a:bodyPr rtlCol="0" anchor="ctr"/>
+          <a:lstStyle/>
+          <a:p>
+            <a:pPr algn="ctr"/>
+            <a:endParaRPr lang="en-US">
+              <a:solidFill>
+                <a:schemeClr val="tx1"/>
+              </a:solidFill>
+            </a:endParaRPr>
+          </a:p>
+        </p:txBody>
+      </p:sp>
+      <p:sp>
+        <p:nvSpPr>
+          <p:cNvPr id="59" name="U-turn Arrow 58">
+            <a:extLst>
+              <a:ext uri="{FF2B5EF4-FFF2-40B4-BE49-F238E27FC236}">
+                <a16:creationId xmlns:a16="http://schemas.microsoft.com/office/drawing/2014/main" id="{39B4FE60-0EED-B084-85E0-83BD6DE8DE84}"/>
+              </a:ext>
+            </a:extLst>
+          </p:cNvPr>
+          <p:cNvSpPr/>
+          <p:nvPr/>
+        </p:nvSpPr>
+        <p:spPr>
+          <a:xfrm rot="17748186">
+            <a:off x="9327577" y="3976220"/>
+            <a:ext cx="754278" cy="637390"/>
+          </a:xfrm>
+          <a:prstGeom prst="uturnArrow">
+            <a:avLst>
+              <a:gd name="adj1" fmla="val 25000"/>
+              <a:gd name="adj2" fmla="val 25000"/>
+              <a:gd name="adj3" fmla="val 25000"/>
+              <a:gd name="adj4" fmla="val 50000"/>
+              <a:gd name="adj5" fmla="val 75000"/>
+            </a:avLst>
+          </a:prstGeom>
+          <a:solidFill>
+            <a:srgbClr val="FF0000"/>
+          </a:solidFill>
+        </p:spPr>
+        <p:style>
+          <a:lnRef idx="2">
+            <a:schemeClr val="accent1">
+              <a:shade val="50000"/>
+            </a:schemeClr>
+          </a:lnRef>
+          <a:fillRef idx="1">
+            <a:schemeClr val="accent1"/>
+          </a:fillRef>
+          <a:effectRef idx="0">
+            <a:schemeClr val="accent1"/>
+          </a:effectRef>
+          <a:fontRef idx="minor">
+            <a:schemeClr val="lt1"/>
+          </a:fontRef>
+        </p:style>
+        <p:txBody>
+          <a:bodyPr rtlCol="0" anchor="ctr"/>
+          <a:lstStyle/>
+          <a:p>
+            <a:pPr algn="ctr"/>
+            <a:endParaRPr lang="en-US">
+              <a:solidFill>
+                <a:schemeClr val="tx1"/>
+              </a:solidFill>
+            </a:endParaRPr>
+          </a:p>
+        </p:txBody>
+      </p:sp>
     </p:spTree>
     <p:extLst>
       <p:ext uri="{BB962C8B-B14F-4D97-AF65-F5344CB8AC3E}">
@@ -5917,7 +7239,7 @@
 </p:sld>
 </file>
 
-<file path=ppt/slides/slide5.xml><?xml version="1.0" encoding="utf-8"?>
+<file path=ppt/slides/slide6.xml><?xml version="1.0" encoding="utf-8"?>
 <p:sld xmlns:a="http://schemas.openxmlformats.org/drawingml/2006/main" xmlns:r="http://schemas.openxmlformats.org/officeDocument/2006/relationships" xmlns:p="http://schemas.openxmlformats.org/presentationml/2006/main">
   <p:cSld>
     <p:spTree>
@@ -5977,7 +7299,7 @@
 </p:sld>
 </file>
 
-<file path=ppt/slides/slide6.xml><?xml version="1.0" encoding="utf-8"?>
+<file path=ppt/slides/slide7.xml><?xml version="1.0" encoding="utf-8"?>
 <p:sld xmlns:a="http://schemas.openxmlformats.org/drawingml/2006/main" xmlns:r="http://schemas.openxmlformats.org/officeDocument/2006/relationships" xmlns:p="http://schemas.openxmlformats.org/presentationml/2006/main">
   <p:cSld>
     <p:spTree>
